--- a/ppt 16-9/1510.祢配得至圣尊.pptx
+++ b/ppt 16-9/1510.祢配得至圣尊.pptx
@@ -129,7 +129,7 @@
           <p:cNvPr id="2" name="标题 1">
             <a:extLst>
               <a:ext uri="{FF2B5EF4-FFF2-40B4-BE49-F238E27FC236}">
-                <a16:creationId xmlns:a16="http://schemas.microsoft.com/office/drawing/2014/main" id="{B1A63035-1F2D-C94F-5BAE-BC6E2AFAED8C}"/>
+                <a16:creationId xmlns:a16="http://schemas.microsoft.com/office/drawing/2014/main" id="{022E02A9-94B3-9C88-A739-FACF7F5E27A1}"/>
               </a:ext>
             </a:extLst>
           </p:cNvPr>
@@ -166,7 +166,7 @@
           <p:cNvPr id="3" name="副标题 2">
             <a:extLst>
               <a:ext uri="{FF2B5EF4-FFF2-40B4-BE49-F238E27FC236}">
-                <a16:creationId xmlns:a16="http://schemas.microsoft.com/office/drawing/2014/main" id="{3AA30C69-6687-9FBE-0931-DE0981270422}"/>
+                <a16:creationId xmlns:a16="http://schemas.microsoft.com/office/drawing/2014/main" id="{8594AE76-77FE-1B5F-2DA6-0FFD7FE46D68}"/>
               </a:ext>
             </a:extLst>
           </p:cNvPr>
@@ -236,7 +236,7 @@
           <p:cNvPr id="4" name="日期占位符 3">
             <a:extLst>
               <a:ext uri="{FF2B5EF4-FFF2-40B4-BE49-F238E27FC236}">
-                <a16:creationId xmlns:a16="http://schemas.microsoft.com/office/drawing/2014/main" id="{C7DF2C4C-A07A-B204-F261-E683CF636BA1}"/>
+                <a16:creationId xmlns:a16="http://schemas.microsoft.com/office/drawing/2014/main" id="{8FB6842A-0A0A-1A6E-52E2-A2BFF0E0F39F}"/>
               </a:ext>
             </a:extLst>
           </p:cNvPr>
@@ -252,7 +252,7 @@
           <a:bodyPr/>
           <a:lstStyle/>
           <a:p>
-            <a:fld id="{D8A635DE-DC7E-4C50-901B-EFA57B600B5A}" type="datetimeFigureOut">
+            <a:fld id="{0FD3925A-4BB4-4F6B-9424-4BB2D9AE68C3}" type="datetimeFigureOut">
               <a:rPr lang="zh-CN" altLang="en-US" smtClean="0"/>
               <a:t>2024/3/10</a:t>
             </a:fld>
@@ -265,7 +265,7 @@
           <p:cNvPr id="5" name="页脚占位符 4">
             <a:extLst>
               <a:ext uri="{FF2B5EF4-FFF2-40B4-BE49-F238E27FC236}">
-                <a16:creationId xmlns:a16="http://schemas.microsoft.com/office/drawing/2014/main" id="{CD1F693B-29BA-318B-F1F9-E253BEF86195}"/>
+                <a16:creationId xmlns:a16="http://schemas.microsoft.com/office/drawing/2014/main" id="{56F671C3-6F8E-4715-41AD-906DCAD71AAE}"/>
               </a:ext>
             </a:extLst>
           </p:cNvPr>
@@ -290,7 +290,7 @@
           <p:cNvPr id="6" name="灯片编号占位符 5">
             <a:extLst>
               <a:ext uri="{FF2B5EF4-FFF2-40B4-BE49-F238E27FC236}">
-                <a16:creationId xmlns:a16="http://schemas.microsoft.com/office/drawing/2014/main" id="{6BD8D3FC-BE17-E81C-5E68-EBF6AC7C2FB9}"/>
+                <a16:creationId xmlns:a16="http://schemas.microsoft.com/office/drawing/2014/main" id="{76725D68-815C-D128-3960-A33F7E275034}"/>
               </a:ext>
             </a:extLst>
           </p:cNvPr>
@@ -306,7 +306,7 @@
           <a:bodyPr/>
           <a:lstStyle/>
           <a:p>
-            <a:fld id="{EFB690C1-9ACB-49BF-ABCE-F74DAD63E1C9}" type="slidenum">
+            <a:fld id="{AB651F73-1DEC-4C7D-80E3-ABBB41B17627}" type="slidenum">
               <a:rPr lang="zh-CN" altLang="en-US" smtClean="0"/>
               <a:t>‹#›</a:t>
             </a:fld>
@@ -317,7 +317,7 @@
     </p:spTree>
     <p:extLst>
       <p:ext uri="{BB962C8B-B14F-4D97-AF65-F5344CB8AC3E}">
-        <p14:creationId xmlns:p14="http://schemas.microsoft.com/office/powerpoint/2010/main" val="187226868"/>
+        <p14:creationId xmlns:p14="http://schemas.microsoft.com/office/powerpoint/2010/main" val="1560119251"/>
       </p:ext>
     </p:extLst>
   </p:cSld>
@@ -349,7 +349,7 @@
           <p:cNvPr id="2" name="标题 1">
             <a:extLst>
               <a:ext uri="{FF2B5EF4-FFF2-40B4-BE49-F238E27FC236}">
-                <a16:creationId xmlns:a16="http://schemas.microsoft.com/office/drawing/2014/main" id="{7F192EE0-BF71-FDB1-F5FD-21C046579996}"/>
+                <a16:creationId xmlns:a16="http://schemas.microsoft.com/office/drawing/2014/main" id="{CAFF0CEA-C8E0-EEF6-58E6-00BEECB3D746}"/>
               </a:ext>
             </a:extLst>
           </p:cNvPr>
@@ -377,7 +377,7 @@
           <p:cNvPr id="3" name="竖排文字占位符 2">
             <a:extLst>
               <a:ext uri="{FF2B5EF4-FFF2-40B4-BE49-F238E27FC236}">
-                <a16:creationId xmlns:a16="http://schemas.microsoft.com/office/drawing/2014/main" id="{559BC988-3FD7-F349-4C4C-1FDE68CAD15B}"/>
+                <a16:creationId xmlns:a16="http://schemas.microsoft.com/office/drawing/2014/main" id="{FE6F6FC4-B860-40C3-9D78-35D234DC9CFD}"/>
               </a:ext>
             </a:extLst>
           </p:cNvPr>
@@ -434,7 +434,7 @@
           <p:cNvPr id="4" name="日期占位符 3">
             <a:extLst>
               <a:ext uri="{FF2B5EF4-FFF2-40B4-BE49-F238E27FC236}">
-                <a16:creationId xmlns:a16="http://schemas.microsoft.com/office/drawing/2014/main" id="{5289EBB0-1BB2-522E-665C-88712F6ADF9A}"/>
+                <a16:creationId xmlns:a16="http://schemas.microsoft.com/office/drawing/2014/main" id="{E0323195-2B1E-CDB5-D5AC-95C987CA379C}"/>
               </a:ext>
             </a:extLst>
           </p:cNvPr>
@@ -450,7 +450,7 @@
           <a:bodyPr/>
           <a:lstStyle/>
           <a:p>
-            <a:fld id="{D8A635DE-DC7E-4C50-901B-EFA57B600B5A}" type="datetimeFigureOut">
+            <a:fld id="{0FD3925A-4BB4-4F6B-9424-4BB2D9AE68C3}" type="datetimeFigureOut">
               <a:rPr lang="zh-CN" altLang="en-US" smtClean="0"/>
               <a:t>2024/3/10</a:t>
             </a:fld>
@@ -463,7 +463,7 @@
           <p:cNvPr id="5" name="页脚占位符 4">
             <a:extLst>
               <a:ext uri="{FF2B5EF4-FFF2-40B4-BE49-F238E27FC236}">
-                <a16:creationId xmlns:a16="http://schemas.microsoft.com/office/drawing/2014/main" id="{C8EF2B96-DAEC-BF6E-7DC4-D7807971C80D}"/>
+                <a16:creationId xmlns:a16="http://schemas.microsoft.com/office/drawing/2014/main" id="{14E9DFCE-2C70-9545-3570-2E6016CAF7C9}"/>
               </a:ext>
             </a:extLst>
           </p:cNvPr>
@@ -488,7 +488,7 @@
           <p:cNvPr id="6" name="灯片编号占位符 5">
             <a:extLst>
               <a:ext uri="{FF2B5EF4-FFF2-40B4-BE49-F238E27FC236}">
-                <a16:creationId xmlns:a16="http://schemas.microsoft.com/office/drawing/2014/main" id="{AFDE3625-DBEC-52F4-1027-E61BAEB92646}"/>
+                <a16:creationId xmlns:a16="http://schemas.microsoft.com/office/drawing/2014/main" id="{8A98F3EE-A51B-8FFE-CDD1-A9862B9551D0}"/>
               </a:ext>
             </a:extLst>
           </p:cNvPr>
@@ -504,7 +504,7 @@
           <a:bodyPr/>
           <a:lstStyle/>
           <a:p>
-            <a:fld id="{EFB690C1-9ACB-49BF-ABCE-F74DAD63E1C9}" type="slidenum">
+            <a:fld id="{AB651F73-1DEC-4C7D-80E3-ABBB41B17627}" type="slidenum">
               <a:rPr lang="zh-CN" altLang="en-US" smtClean="0"/>
               <a:t>‹#›</a:t>
             </a:fld>
@@ -515,7 +515,7 @@
     </p:spTree>
     <p:extLst>
       <p:ext uri="{BB962C8B-B14F-4D97-AF65-F5344CB8AC3E}">
-        <p14:creationId xmlns:p14="http://schemas.microsoft.com/office/powerpoint/2010/main" val="3551777166"/>
+        <p14:creationId xmlns:p14="http://schemas.microsoft.com/office/powerpoint/2010/main" val="2442188515"/>
       </p:ext>
     </p:extLst>
   </p:cSld>
@@ -547,7 +547,7 @@
           <p:cNvPr id="2" name="竖排标题 1">
             <a:extLst>
               <a:ext uri="{FF2B5EF4-FFF2-40B4-BE49-F238E27FC236}">
-                <a16:creationId xmlns:a16="http://schemas.microsoft.com/office/drawing/2014/main" id="{DFA25957-C789-5DF0-26E6-DF0A51FBC264}"/>
+                <a16:creationId xmlns:a16="http://schemas.microsoft.com/office/drawing/2014/main" id="{FCA157C2-EF88-F3B1-C32B-92AA148EF314}"/>
               </a:ext>
             </a:extLst>
           </p:cNvPr>
@@ -580,7 +580,7 @@
           <p:cNvPr id="3" name="竖排文字占位符 2">
             <a:extLst>
               <a:ext uri="{FF2B5EF4-FFF2-40B4-BE49-F238E27FC236}">
-                <a16:creationId xmlns:a16="http://schemas.microsoft.com/office/drawing/2014/main" id="{BF92E1F4-3065-D683-DAD0-B0C8E8A6FBBD}"/>
+                <a16:creationId xmlns:a16="http://schemas.microsoft.com/office/drawing/2014/main" id="{BF0A07DB-0449-4AC1-E7B8-FDCE62BEF7DC}"/>
               </a:ext>
             </a:extLst>
           </p:cNvPr>
@@ -642,7 +642,7 @@
           <p:cNvPr id="4" name="日期占位符 3">
             <a:extLst>
               <a:ext uri="{FF2B5EF4-FFF2-40B4-BE49-F238E27FC236}">
-                <a16:creationId xmlns:a16="http://schemas.microsoft.com/office/drawing/2014/main" id="{1FCA5472-4DA7-5F7D-D639-BB2A600B4C14}"/>
+                <a16:creationId xmlns:a16="http://schemas.microsoft.com/office/drawing/2014/main" id="{19B5873B-6DC1-3398-322F-80A2FB7F992C}"/>
               </a:ext>
             </a:extLst>
           </p:cNvPr>
@@ -658,7 +658,7 @@
           <a:bodyPr/>
           <a:lstStyle/>
           <a:p>
-            <a:fld id="{D8A635DE-DC7E-4C50-901B-EFA57B600B5A}" type="datetimeFigureOut">
+            <a:fld id="{0FD3925A-4BB4-4F6B-9424-4BB2D9AE68C3}" type="datetimeFigureOut">
               <a:rPr lang="zh-CN" altLang="en-US" smtClean="0"/>
               <a:t>2024/3/10</a:t>
             </a:fld>
@@ -671,7 +671,7 @@
           <p:cNvPr id="5" name="页脚占位符 4">
             <a:extLst>
               <a:ext uri="{FF2B5EF4-FFF2-40B4-BE49-F238E27FC236}">
-                <a16:creationId xmlns:a16="http://schemas.microsoft.com/office/drawing/2014/main" id="{CD6B899F-F64C-4675-F01C-2F723C0AC379}"/>
+                <a16:creationId xmlns:a16="http://schemas.microsoft.com/office/drawing/2014/main" id="{1769AA51-DB8A-F8B0-EFE5-066E7E0EC9F2}"/>
               </a:ext>
             </a:extLst>
           </p:cNvPr>
@@ -696,7 +696,7 @@
           <p:cNvPr id="6" name="灯片编号占位符 5">
             <a:extLst>
               <a:ext uri="{FF2B5EF4-FFF2-40B4-BE49-F238E27FC236}">
-                <a16:creationId xmlns:a16="http://schemas.microsoft.com/office/drawing/2014/main" id="{255C5CB4-306A-2353-07D2-6AC5125EDB6E}"/>
+                <a16:creationId xmlns:a16="http://schemas.microsoft.com/office/drawing/2014/main" id="{EE85207A-1378-C34D-77D3-15734269CF57}"/>
               </a:ext>
             </a:extLst>
           </p:cNvPr>
@@ -712,7 +712,7 @@
           <a:bodyPr/>
           <a:lstStyle/>
           <a:p>
-            <a:fld id="{EFB690C1-9ACB-49BF-ABCE-F74DAD63E1C9}" type="slidenum">
+            <a:fld id="{AB651F73-1DEC-4C7D-80E3-ABBB41B17627}" type="slidenum">
               <a:rPr lang="zh-CN" altLang="en-US" smtClean="0"/>
               <a:t>‹#›</a:t>
             </a:fld>
@@ -723,7 +723,7 @@
     </p:spTree>
     <p:extLst>
       <p:ext uri="{BB962C8B-B14F-4D97-AF65-F5344CB8AC3E}">
-        <p14:creationId xmlns:p14="http://schemas.microsoft.com/office/powerpoint/2010/main" val="1325708149"/>
+        <p14:creationId xmlns:p14="http://schemas.microsoft.com/office/powerpoint/2010/main" val="2838001625"/>
       </p:ext>
     </p:extLst>
   </p:cSld>
@@ -755,7 +755,7 @@
           <p:cNvPr id="2" name="标题 1">
             <a:extLst>
               <a:ext uri="{FF2B5EF4-FFF2-40B4-BE49-F238E27FC236}">
-                <a16:creationId xmlns:a16="http://schemas.microsoft.com/office/drawing/2014/main" id="{4508A49C-7374-B26B-F9E0-75B925E67065}"/>
+                <a16:creationId xmlns:a16="http://schemas.microsoft.com/office/drawing/2014/main" id="{5BFD4153-68BD-D7CD-F520-B08A51E68541}"/>
               </a:ext>
             </a:extLst>
           </p:cNvPr>
@@ -783,7 +783,7 @@
           <p:cNvPr id="3" name="内容占位符 2">
             <a:extLst>
               <a:ext uri="{FF2B5EF4-FFF2-40B4-BE49-F238E27FC236}">
-                <a16:creationId xmlns:a16="http://schemas.microsoft.com/office/drawing/2014/main" id="{EEE43F5C-0011-746D-9888-4933801C7E1F}"/>
+                <a16:creationId xmlns:a16="http://schemas.microsoft.com/office/drawing/2014/main" id="{67E5448C-0D4A-DCAE-F869-BC64BD1E1BD1}"/>
               </a:ext>
             </a:extLst>
           </p:cNvPr>
@@ -840,7 +840,7 @@
           <p:cNvPr id="4" name="日期占位符 3">
             <a:extLst>
               <a:ext uri="{FF2B5EF4-FFF2-40B4-BE49-F238E27FC236}">
-                <a16:creationId xmlns:a16="http://schemas.microsoft.com/office/drawing/2014/main" id="{D194DE7E-2BF9-4FC7-5EBA-38560F98B76C}"/>
+                <a16:creationId xmlns:a16="http://schemas.microsoft.com/office/drawing/2014/main" id="{01A35F07-AFF2-7151-F950-DD92AA177EA2}"/>
               </a:ext>
             </a:extLst>
           </p:cNvPr>
@@ -856,7 +856,7 @@
           <a:bodyPr/>
           <a:lstStyle/>
           <a:p>
-            <a:fld id="{D8A635DE-DC7E-4C50-901B-EFA57B600B5A}" type="datetimeFigureOut">
+            <a:fld id="{0FD3925A-4BB4-4F6B-9424-4BB2D9AE68C3}" type="datetimeFigureOut">
               <a:rPr lang="zh-CN" altLang="en-US" smtClean="0"/>
               <a:t>2024/3/10</a:t>
             </a:fld>
@@ -869,7 +869,7 @@
           <p:cNvPr id="5" name="页脚占位符 4">
             <a:extLst>
               <a:ext uri="{FF2B5EF4-FFF2-40B4-BE49-F238E27FC236}">
-                <a16:creationId xmlns:a16="http://schemas.microsoft.com/office/drawing/2014/main" id="{1F6E73CB-0165-DA9B-5A17-4C52EA3D1C4B}"/>
+                <a16:creationId xmlns:a16="http://schemas.microsoft.com/office/drawing/2014/main" id="{C132EB9C-7EC9-1D5B-CF00-D9D1C73C826C}"/>
               </a:ext>
             </a:extLst>
           </p:cNvPr>
@@ -894,7 +894,7 @@
           <p:cNvPr id="6" name="灯片编号占位符 5">
             <a:extLst>
               <a:ext uri="{FF2B5EF4-FFF2-40B4-BE49-F238E27FC236}">
-                <a16:creationId xmlns:a16="http://schemas.microsoft.com/office/drawing/2014/main" id="{B6762B00-B367-1F77-3EF0-7C406C8178C5}"/>
+                <a16:creationId xmlns:a16="http://schemas.microsoft.com/office/drawing/2014/main" id="{2FF7E189-764D-64C3-3A2F-52BFF214D33D}"/>
               </a:ext>
             </a:extLst>
           </p:cNvPr>
@@ -910,7 +910,7 @@
           <a:bodyPr/>
           <a:lstStyle/>
           <a:p>
-            <a:fld id="{EFB690C1-9ACB-49BF-ABCE-F74DAD63E1C9}" type="slidenum">
+            <a:fld id="{AB651F73-1DEC-4C7D-80E3-ABBB41B17627}" type="slidenum">
               <a:rPr lang="zh-CN" altLang="en-US" smtClean="0"/>
               <a:t>‹#›</a:t>
             </a:fld>
@@ -921,7 +921,7 @@
     </p:spTree>
     <p:extLst>
       <p:ext uri="{BB962C8B-B14F-4D97-AF65-F5344CB8AC3E}">
-        <p14:creationId xmlns:p14="http://schemas.microsoft.com/office/powerpoint/2010/main" val="3866268940"/>
+        <p14:creationId xmlns:p14="http://schemas.microsoft.com/office/powerpoint/2010/main" val="642148760"/>
       </p:ext>
     </p:extLst>
   </p:cSld>
@@ -953,7 +953,7 @@
           <p:cNvPr id="2" name="标题 1">
             <a:extLst>
               <a:ext uri="{FF2B5EF4-FFF2-40B4-BE49-F238E27FC236}">
-                <a16:creationId xmlns:a16="http://schemas.microsoft.com/office/drawing/2014/main" id="{8C3D6F4B-A315-31C8-8E66-F733F3654E00}"/>
+                <a16:creationId xmlns:a16="http://schemas.microsoft.com/office/drawing/2014/main" id="{22529A64-F3B5-34B0-93E0-9E2D5F605AE8}"/>
               </a:ext>
             </a:extLst>
           </p:cNvPr>
@@ -990,7 +990,7 @@
           <p:cNvPr id="3" name="文本占位符 2">
             <a:extLst>
               <a:ext uri="{FF2B5EF4-FFF2-40B4-BE49-F238E27FC236}">
-                <a16:creationId xmlns:a16="http://schemas.microsoft.com/office/drawing/2014/main" id="{652F5E47-C48D-9A04-18AA-BDFC207EBBA5}"/>
+                <a16:creationId xmlns:a16="http://schemas.microsoft.com/office/drawing/2014/main" id="{A02F615E-0C50-CC00-D638-A98AE254E618}"/>
               </a:ext>
             </a:extLst>
           </p:cNvPr>
@@ -1115,7 +1115,7 @@
           <p:cNvPr id="4" name="日期占位符 3">
             <a:extLst>
               <a:ext uri="{FF2B5EF4-FFF2-40B4-BE49-F238E27FC236}">
-                <a16:creationId xmlns:a16="http://schemas.microsoft.com/office/drawing/2014/main" id="{0D91A71C-2270-42C0-A001-656F510631C3}"/>
+                <a16:creationId xmlns:a16="http://schemas.microsoft.com/office/drawing/2014/main" id="{5355E106-34D8-B57D-E322-22A9F6AD9F91}"/>
               </a:ext>
             </a:extLst>
           </p:cNvPr>
@@ -1131,7 +1131,7 @@
           <a:bodyPr/>
           <a:lstStyle/>
           <a:p>
-            <a:fld id="{D8A635DE-DC7E-4C50-901B-EFA57B600B5A}" type="datetimeFigureOut">
+            <a:fld id="{0FD3925A-4BB4-4F6B-9424-4BB2D9AE68C3}" type="datetimeFigureOut">
               <a:rPr lang="zh-CN" altLang="en-US" smtClean="0"/>
               <a:t>2024/3/10</a:t>
             </a:fld>
@@ -1144,7 +1144,7 @@
           <p:cNvPr id="5" name="页脚占位符 4">
             <a:extLst>
               <a:ext uri="{FF2B5EF4-FFF2-40B4-BE49-F238E27FC236}">
-                <a16:creationId xmlns:a16="http://schemas.microsoft.com/office/drawing/2014/main" id="{BDC9EB19-66FF-5814-7271-21F99B28F327}"/>
+                <a16:creationId xmlns:a16="http://schemas.microsoft.com/office/drawing/2014/main" id="{236B1C22-9958-ACB2-D3ED-99AEA8FAAB15}"/>
               </a:ext>
             </a:extLst>
           </p:cNvPr>
@@ -1169,7 +1169,7 @@
           <p:cNvPr id="6" name="灯片编号占位符 5">
             <a:extLst>
               <a:ext uri="{FF2B5EF4-FFF2-40B4-BE49-F238E27FC236}">
-                <a16:creationId xmlns:a16="http://schemas.microsoft.com/office/drawing/2014/main" id="{DB38B14C-2918-0D2C-B68A-CB740622E455}"/>
+                <a16:creationId xmlns:a16="http://schemas.microsoft.com/office/drawing/2014/main" id="{C436CE8C-C375-94A0-44BC-07FC67F5EC1C}"/>
               </a:ext>
             </a:extLst>
           </p:cNvPr>
@@ -1185,7 +1185,7 @@
           <a:bodyPr/>
           <a:lstStyle/>
           <a:p>
-            <a:fld id="{EFB690C1-9ACB-49BF-ABCE-F74DAD63E1C9}" type="slidenum">
+            <a:fld id="{AB651F73-1DEC-4C7D-80E3-ABBB41B17627}" type="slidenum">
               <a:rPr lang="zh-CN" altLang="en-US" smtClean="0"/>
               <a:t>‹#›</a:t>
             </a:fld>
@@ -1196,7 +1196,7 @@
     </p:spTree>
     <p:extLst>
       <p:ext uri="{BB962C8B-B14F-4D97-AF65-F5344CB8AC3E}">
-        <p14:creationId xmlns:p14="http://schemas.microsoft.com/office/powerpoint/2010/main" val="659830748"/>
+        <p14:creationId xmlns:p14="http://schemas.microsoft.com/office/powerpoint/2010/main" val="1395294712"/>
       </p:ext>
     </p:extLst>
   </p:cSld>
@@ -1228,7 +1228,7 @@
           <p:cNvPr id="2" name="标题 1">
             <a:extLst>
               <a:ext uri="{FF2B5EF4-FFF2-40B4-BE49-F238E27FC236}">
-                <a16:creationId xmlns:a16="http://schemas.microsoft.com/office/drawing/2014/main" id="{B1D08B4C-FC09-2843-68DE-00CD2DAFC67E}"/>
+                <a16:creationId xmlns:a16="http://schemas.microsoft.com/office/drawing/2014/main" id="{4F7249A9-ABE3-7942-4B75-8E3760CA4E2D}"/>
               </a:ext>
             </a:extLst>
           </p:cNvPr>
@@ -1256,7 +1256,7 @@
           <p:cNvPr id="3" name="内容占位符 2">
             <a:extLst>
               <a:ext uri="{FF2B5EF4-FFF2-40B4-BE49-F238E27FC236}">
-                <a16:creationId xmlns:a16="http://schemas.microsoft.com/office/drawing/2014/main" id="{AC52E6C8-1482-3DD2-FAB9-4492B7604258}"/>
+                <a16:creationId xmlns:a16="http://schemas.microsoft.com/office/drawing/2014/main" id="{288FFB08-DD96-45C6-2F85-9916A660DAA7}"/>
               </a:ext>
             </a:extLst>
           </p:cNvPr>
@@ -1318,7 +1318,7 @@
           <p:cNvPr id="4" name="内容占位符 3">
             <a:extLst>
               <a:ext uri="{FF2B5EF4-FFF2-40B4-BE49-F238E27FC236}">
-                <a16:creationId xmlns:a16="http://schemas.microsoft.com/office/drawing/2014/main" id="{7A8BB4E1-E3B8-27C1-A484-C3099596ADBE}"/>
+                <a16:creationId xmlns:a16="http://schemas.microsoft.com/office/drawing/2014/main" id="{300F647E-1891-2E63-4902-D2F855F0BB94}"/>
               </a:ext>
             </a:extLst>
           </p:cNvPr>
@@ -1380,7 +1380,7 @@
           <p:cNvPr id="5" name="日期占位符 4">
             <a:extLst>
               <a:ext uri="{FF2B5EF4-FFF2-40B4-BE49-F238E27FC236}">
-                <a16:creationId xmlns:a16="http://schemas.microsoft.com/office/drawing/2014/main" id="{BC54AF4D-856E-3533-F62F-1F4B87B9FEB2}"/>
+                <a16:creationId xmlns:a16="http://schemas.microsoft.com/office/drawing/2014/main" id="{F532C95E-F809-7681-3E6F-5C9DA0E9D104}"/>
               </a:ext>
             </a:extLst>
           </p:cNvPr>
@@ -1396,7 +1396,7 @@
           <a:bodyPr/>
           <a:lstStyle/>
           <a:p>
-            <a:fld id="{D8A635DE-DC7E-4C50-901B-EFA57B600B5A}" type="datetimeFigureOut">
+            <a:fld id="{0FD3925A-4BB4-4F6B-9424-4BB2D9AE68C3}" type="datetimeFigureOut">
               <a:rPr lang="zh-CN" altLang="en-US" smtClean="0"/>
               <a:t>2024/3/10</a:t>
             </a:fld>
@@ -1409,7 +1409,7 @@
           <p:cNvPr id="6" name="页脚占位符 5">
             <a:extLst>
               <a:ext uri="{FF2B5EF4-FFF2-40B4-BE49-F238E27FC236}">
-                <a16:creationId xmlns:a16="http://schemas.microsoft.com/office/drawing/2014/main" id="{A1C5A0E6-B11C-6B52-8FE2-448BB9999A8B}"/>
+                <a16:creationId xmlns:a16="http://schemas.microsoft.com/office/drawing/2014/main" id="{54783DE5-836F-34CC-52A0-78D87B3E0354}"/>
               </a:ext>
             </a:extLst>
           </p:cNvPr>
@@ -1434,7 +1434,7 @@
           <p:cNvPr id="7" name="灯片编号占位符 6">
             <a:extLst>
               <a:ext uri="{FF2B5EF4-FFF2-40B4-BE49-F238E27FC236}">
-                <a16:creationId xmlns:a16="http://schemas.microsoft.com/office/drawing/2014/main" id="{ACEF57F1-E513-9B88-A0AE-B29E6153AE57}"/>
+                <a16:creationId xmlns:a16="http://schemas.microsoft.com/office/drawing/2014/main" id="{C9FCE654-2F26-E97D-D006-3BDFE6BB84AF}"/>
               </a:ext>
             </a:extLst>
           </p:cNvPr>
@@ -1450,7 +1450,7 @@
           <a:bodyPr/>
           <a:lstStyle/>
           <a:p>
-            <a:fld id="{EFB690C1-9ACB-49BF-ABCE-F74DAD63E1C9}" type="slidenum">
+            <a:fld id="{AB651F73-1DEC-4C7D-80E3-ABBB41B17627}" type="slidenum">
               <a:rPr lang="zh-CN" altLang="en-US" smtClean="0"/>
               <a:t>‹#›</a:t>
             </a:fld>
@@ -1461,7 +1461,7 @@
     </p:spTree>
     <p:extLst>
       <p:ext uri="{BB962C8B-B14F-4D97-AF65-F5344CB8AC3E}">
-        <p14:creationId xmlns:p14="http://schemas.microsoft.com/office/powerpoint/2010/main" val="3025986712"/>
+        <p14:creationId xmlns:p14="http://schemas.microsoft.com/office/powerpoint/2010/main" val="3759779112"/>
       </p:ext>
     </p:extLst>
   </p:cSld>
@@ -1493,7 +1493,7 @@
           <p:cNvPr id="2" name="标题 1">
             <a:extLst>
               <a:ext uri="{FF2B5EF4-FFF2-40B4-BE49-F238E27FC236}">
-                <a16:creationId xmlns:a16="http://schemas.microsoft.com/office/drawing/2014/main" id="{4A29D803-BD61-426B-80B6-34F36AE5D419}"/>
+                <a16:creationId xmlns:a16="http://schemas.microsoft.com/office/drawing/2014/main" id="{C7DC8CD6-6B1A-C5DC-5215-2B1035ABF1AA}"/>
               </a:ext>
             </a:extLst>
           </p:cNvPr>
@@ -1526,7 +1526,7 @@
           <p:cNvPr id="3" name="文本占位符 2">
             <a:extLst>
               <a:ext uri="{FF2B5EF4-FFF2-40B4-BE49-F238E27FC236}">
-                <a16:creationId xmlns:a16="http://schemas.microsoft.com/office/drawing/2014/main" id="{DC208437-D6B1-A819-F41B-1FCBEB3EC3BE}"/>
+                <a16:creationId xmlns:a16="http://schemas.microsoft.com/office/drawing/2014/main" id="{54EF9F37-0C06-56F8-964F-1CDF491BFE8A}"/>
               </a:ext>
             </a:extLst>
           </p:cNvPr>
@@ -1597,7 +1597,7 @@
           <p:cNvPr id="4" name="内容占位符 3">
             <a:extLst>
               <a:ext uri="{FF2B5EF4-FFF2-40B4-BE49-F238E27FC236}">
-                <a16:creationId xmlns:a16="http://schemas.microsoft.com/office/drawing/2014/main" id="{715ABD3C-DB99-D5CB-E3DB-65BBACC857A8}"/>
+                <a16:creationId xmlns:a16="http://schemas.microsoft.com/office/drawing/2014/main" id="{3ED6C969-530C-8DB7-43E7-E31F06AB38C2}"/>
               </a:ext>
             </a:extLst>
           </p:cNvPr>
@@ -1659,7 +1659,7 @@
           <p:cNvPr id="5" name="文本占位符 4">
             <a:extLst>
               <a:ext uri="{FF2B5EF4-FFF2-40B4-BE49-F238E27FC236}">
-                <a16:creationId xmlns:a16="http://schemas.microsoft.com/office/drawing/2014/main" id="{CCEB9087-F1BE-7E73-30AB-B823ADCFE050}"/>
+                <a16:creationId xmlns:a16="http://schemas.microsoft.com/office/drawing/2014/main" id="{6C6C2C88-1F82-0F16-D949-99FED276E1C9}"/>
               </a:ext>
             </a:extLst>
           </p:cNvPr>
@@ -1730,7 +1730,7 @@
           <p:cNvPr id="6" name="内容占位符 5">
             <a:extLst>
               <a:ext uri="{FF2B5EF4-FFF2-40B4-BE49-F238E27FC236}">
-                <a16:creationId xmlns:a16="http://schemas.microsoft.com/office/drawing/2014/main" id="{43AEF7FB-498B-DD71-A1BD-4BAB2559FF58}"/>
+                <a16:creationId xmlns:a16="http://schemas.microsoft.com/office/drawing/2014/main" id="{56FF7C83-AE4A-4AED-22F3-5B29D6CA03EB}"/>
               </a:ext>
             </a:extLst>
           </p:cNvPr>
@@ -1792,7 +1792,7 @@
           <p:cNvPr id="7" name="日期占位符 6">
             <a:extLst>
               <a:ext uri="{FF2B5EF4-FFF2-40B4-BE49-F238E27FC236}">
-                <a16:creationId xmlns:a16="http://schemas.microsoft.com/office/drawing/2014/main" id="{2209F6BF-BAA7-CE22-1E77-771C1699BB4C}"/>
+                <a16:creationId xmlns:a16="http://schemas.microsoft.com/office/drawing/2014/main" id="{2B66B8EC-8AF8-DF11-9718-A77F17BDBB53}"/>
               </a:ext>
             </a:extLst>
           </p:cNvPr>
@@ -1808,7 +1808,7 @@
           <a:bodyPr/>
           <a:lstStyle/>
           <a:p>
-            <a:fld id="{D8A635DE-DC7E-4C50-901B-EFA57B600B5A}" type="datetimeFigureOut">
+            <a:fld id="{0FD3925A-4BB4-4F6B-9424-4BB2D9AE68C3}" type="datetimeFigureOut">
               <a:rPr lang="zh-CN" altLang="en-US" smtClean="0"/>
               <a:t>2024/3/10</a:t>
             </a:fld>
@@ -1821,7 +1821,7 @@
           <p:cNvPr id="8" name="页脚占位符 7">
             <a:extLst>
               <a:ext uri="{FF2B5EF4-FFF2-40B4-BE49-F238E27FC236}">
-                <a16:creationId xmlns:a16="http://schemas.microsoft.com/office/drawing/2014/main" id="{CE9D585D-73E2-3FCA-68E1-FF8A83B32AB5}"/>
+                <a16:creationId xmlns:a16="http://schemas.microsoft.com/office/drawing/2014/main" id="{407776FD-ACDC-54FC-C23B-2F7F0CBE3049}"/>
               </a:ext>
             </a:extLst>
           </p:cNvPr>
@@ -1846,7 +1846,7 @@
           <p:cNvPr id="9" name="灯片编号占位符 8">
             <a:extLst>
               <a:ext uri="{FF2B5EF4-FFF2-40B4-BE49-F238E27FC236}">
-                <a16:creationId xmlns:a16="http://schemas.microsoft.com/office/drawing/2014/main" id="{392F67DF-8C3B-8B36-2D91-9F69D7E31124}"/>
+                <a16:creationId xmlns:a16="http://schemas.microsoft.com/office/drawing/2014/main" id="{39FF9342-0F83-F827-6D19-7742FFCD75EE}"/>
               </a:ext>
             </a:extLst>
           </p:cNvPr>
@@ -1862,7 +1862,7 @@
           <a:bodyPr/>
           <a:lstStyle/>
           <a:p>
-            <a:fld id="{EFB690C1-9ACB-49BF-ABCE-F74DAD63E1C9}" type="slidenum">
+            <a:fld id="{AB651F73-1DEC-4C7D-80E3-ABBB41B17627}" type="slidenum">
               <a:rPr lang="zh-CN" altLang="en-US" smtClean="0"/>
               <a:t>‹#›</a:t>
             </a:fld>
@@ -1873,7 +1873,7 @@
     </p:spTree>
     <p:extLst>
       <p:ext uri="{BB962C8B-B14F-4D97-AF65-F5344CB8AC3E}">
-        <p14:creationId xmlns:p14="http://schemas.microsoft.com/office/powerpoint/2010/main" val="98450348"/>
+        <p14:creationId xmlns:p14="http://schemas.microsoft.com/office/powerpoint/2010/main" val="2036360122"/>
       </p:ext>
     </p:extLst>
   </p:cSld>
@@ -1905,7 +1905,7 @@
           <p:cNvPr id="2" name="标题 1">
             <a:extLst>
               <a:ext uri="{FF2B5EF4-FFF2-40B4-BE49-F238E27FC236}">
-                <a16:creationId xmlns:a16="http://schemas.microsoft.com/office/drawing/2014/main" id="{60592BCF-659C-BD12-E976-0E12062ED67A}"/>
+                <a16:creationId xmlns:a16="http://schemas.microsoft.com/office/drawing/2014/main" id="{FC63B677-9DC2-0018-9579-620756FBDD6F}"/>
               </a:ext>
             </a:extLst>
           </p:cNvPr>
@@ -1933,7 +1933,7 @@
           <p:cNvPr id="3" name="日期占位符 2">
             <a:extLst>
               <a:ext uri="{FF2B5EF4-FFF2-40B4-BE49-F238E27FC236}">
-                <a16:creationId xmlns:a16="http://schemas.microsoft.com/office/drawing/2014/main" id="{16EAD661-A13F-4956-58CA-B935F1BA4183}"/>
+                <a16:creationId xmlns:a16="http://schemas.microsoft.com/office/drawing/2014/main" id="{C7FF044F-DA73-0C57-088D-60B7070C0DEC}"/>
               </a:ext>
             </a:extLst>
           </p:cNvPr>
@@ -1949,7 +1949,7 @@
           <a:bodyPr/>
           <a:lstStyle/>
           <a:p>
-            <a:fld id="{D8A635DE-DC7E-4C50-901B-EFA57B600B5A}" type="datetimeFigureOut">
+            <a:fld id="{0FD3925A-4BB4-4F6B-9424-4BB2D9AE68C3}" type="datetimeFigureOut">
               <a:rPr lang="zh-CN" altLang="en-US" smtClean="0"/>
               <a:t>2024/3/10</a:t>
             </a:fld>
@@ -1962,7 +1962,7 @@
           <p:cNvPr id="4" name="页脚占位符 3">
             <a:extLst>
               <a:ext uri="{FF2B5EF4-FFF2-40B4-BE49-F238E27FC236}">
-                <a16:creationId xmlns:a16="http://schemas.microsoft.com/office/drawing/2014/main" id="{AF334CBF-4BE5-6D2D-4809-760526A45D74}"/>
+                <a16:creationId xmlns:a16="http://schemas.microsoft.com/office/drawing/2014/main" id="{CD5A0B28-2D29-FAB6-7B17-50E316686B54}"/>
               </a:ext>
             </a:extLst>
           </p:cNvPr>
@@ -1987,7 +1987,7 @@
           <p:cNvPr id="5" name="灯片编号占位符 4">
             <a:extLst>
               <a:ext uri="{FF2B5EF4-FFF2-40B4-BE49-F238E27FC236}">
-                <a16:creationId xmlns:a16="http://schemas.microsoft.com/office/drawing/2014/main" id="{BE267302-E721-5793-E9A3-FB74D49C1FD5}"/>
+                <a16:creationId xmlns:a16="http://schemas.microsoft.com/office/drawing/2014/main" id="{0810908D-37EF-75C0-22CB-3A0C778FBE62}"/>
               </a:ext>
             </a:extLst>
           </p:cNvPr>
@@ -2003,7 +2003,7 @@
           <a:bodyPr/>
           <a:lstStyle/>
           <a:p>
-            <a:fld id="{EFB690C1-9ACB-49BF-ABCE-F74DAD63E1C9}" type="slidenum">
+            <a:fld id="{AB651F73-1DEC-4C7D-80E3-ABBB41B17627}" type="slidenum">
               <a:rPr lang="zh-CN" altLang="en-US" smtClean="0"/>
               <a:t>‹#›</a:t>
             </a:fld>
@@ -2014,7 +2014,7 @@
     </p:spTree>
     <p:extLst>
       <p:ext uri="{BB962C8B-B14F-4D97-AF65-F5344CB8AC3E}">
-        <p14:creationId xmlns:p14="http://schemas.microsoft.com/office/powerpoint/2010/main" val="1751660767"/>
+        <p14:creationId xmlns:p14="http://schemas.microsoft.com/office/powerpoint/2010/main" val="1155106205"/>
       </p:ext>
     </p:extLst>
   </p:cSld>
@@ -2046,7 +2046,7 @@
           <p:cNvPr id="2" name="日期占位符 1">
             <a:extLst>
               <a:ext uri="{FF2B5EF4-FFF2-40B4-BE49-F238E27FC236}">
-                <a16:creationId xmlns:a16="http://schemas.microsoft.com/office/drawing/2014/main" id="{0B2FF7C6-474E-B062-3C6A-D7C08F07D415}"/>
+                <a16:creationId xmlns:a16="http://schemas.microsoft.com/office/drawing/2014/main" id="{E888DAE7-EBAA-F8C0-F057-685AA4788117}"/>
               </a:ext>
             </a:extLst>
           </p:cNvPr>
@@ -2062,7 +2062,7 @@
           <a:bodyPr/>
           <a:lstStyle/>
           <a:p>
-            <a:fld id="{D8A635DE-DC7E-4C50-901B-EFA57B600B5A}" type="datetimeFigureOut">
+            <a:fld id="{0FD3925A-4BB4-4F6B-9424-4BB2D9AE68C3}" type="datetimeFigureOut">
               <a:rPr lang="zh-CN" altLang="en-US" smtClean="0"/>
               <a:t>2024/3/10</a:t>
             </a:fld>
@@ -2075,7 +2075,7 @@
           <p:cNvPr id="3" name="页脚占位符 2">
             <a:extLst>
               <a:ext uri="{FF2B5EF4-FFF2-40B4-BE49-F238E27FC236}">
-                <a16:creationId xmlns:a16="http://schemas.microsoft.com/office/drawing/2014/main" id="{1276EFE5-5979-718A-33C5-DBF479422024}"/>
+                <a16:creationId xmlns:a16="http://schemas.microsoft.com/office/drawing/2014/main" id="{93D26894-4460-BC53-5C02-E0B3E329EB00}"/>
               </a:ext>
             </a:extLst>
           </p:cNvPr>
@@ -2100,7 +2100,7 @@
           <p:cNvPr id="4" name="灯片编号占位符 3">
             <a:extLst>
               <a:ext uri="{FF2B5EF4-FFF2-40B4-BE49-F238E27FC236}">
-                <a16:creationId xmlns:a16="http://schemas.microsoft.com/office/drawing/2014/main" id="{625AB661-7BC0-CDF6-1713-12411EF2F8A8}"/>
+                <a16:creationId xmlns:a16="http://schemas.microsoft.com/office/drawing/2014/main" id="{6DC19D11-09D6-3CC2-E848-35F0F5511F4F}"/>
               </a:ext>
             </a:extLst>
           </p:cNvPr>
@@ -2116,7 +2116,7 @@
           <a:bodyPr/>
           <a:lstStyle/>
           <a:p>
-            <a:fld id="{EFB690C1-9ACB-49BF-ABCE-F74DAD63E1C9}" type="slidenum">
+            <a:fld id="{AB651F73-1DEC-4C7D-80E3-ABBB41B17627}" type="slidenum">
               <a:rPr lang="zh-CN" altLang="en-US" smtClean="0"/>
               <a:t>‹#›</a:t>
             </a:fld>
@@ -2127,7 +2127,7 @@
     </p:spTree>
     <p:extLst>
       <p:ext uri="{BB962C8B-B14F-4D97-AF65-F5344CB8AC3E}">
-        <p14:creationId xmlns:p14="http://schemas.microsoft.com/office/powerpoint/2010/main" val="4045832813"/>
+        <p14:creationId xmlns:p14="http://schemas.microsoft.com/office/powerpoint/2010/main" val="3013651263"/>
       </p:ext>
     </p:extLst>
   </p:cSld>
@@ -2159,7 +2159,7 @@
           <p:cNvPr id="2" name="标题 1">
             <a:extLst>
               <a:ext uri="{FF2B5EF4-FFF2-40B4-BE49-F238E27FC236}">
-                <a16:creationId xmlns:a16="http://schemas.microsoft.com/office/drawing/2014/main" id="{3AE7BB73-E848-27E7-79F0-52EF1087483B}"/>
+                <a16:creationId xmlns:a16="http://schemas.microsoft.com/office/drawing/2014/main" id="{D588DF70-1D6B-EDAC-8EF8-2A46CCE135FB}"/>
               </a:ext>
             </a:extLst>
           </p:cNvPr>
@@ -2196,7 +2196,7 @@
           <p:cNvPr id="3" name="内容占位符 2">
             <a:extLst>
               <a:ext uri="{FF2B5EF4-FFF2-40B4-BE49-F238E27FC236}">
-                <a16:creationId xmlns:a16="http://schemas.microsoft.com/office/drawing/2014/main" id="{E46DD495-DCE1-D0B4-90C9-42F8FC4DFEB7}"/>
+                <a16:creationId xmlns:a16="http://schemas.microsoft.com/office/drawing/2014/main" id="{AC8E389C-93A3-AA19-CCE0-F4C74CCF8E4A}"/>
               </a:ext>
             </a:extLst>
           </p:cNvPr>
@@ -2286,7 +2286,7 @@
           <p:cNvPr id="4" name="文本占位符 3">
             <a:extLst>
               <a:ext uri="{FF2B5EF4-FFF2-40B4-BE49-F238E27FC236}">
-                <a16:creationId xmlns:a16="http://schemas.microsoft.com/office/drawing/2014/main" id="{8800ED06-A8CB-C4D6-A4C5-50AFF73E273D}"/>
+                <a16:creationId xmlns:a16="http://schemas.microsoft.com/office/drawing/2014/main" id="{13008E0D-F858-B573-E89B-8ABB81E95FB0}"/>
               </a:ext>
             </a:extLst>
           </p:cNvPr>
@@ -2357,7 +2357,7 @@
           <p:cNvPr id="5" name="日期占位符 4">
             <a:extLst>
               <a:ext uri="{FF2B5EF4-FFF2-40B4-BE49-F238E27FC236}">
-                <a16:creationId xmlns:a16="http://schemas.microsoft.com/office/drawing/2014/main" id="{515D79CB-CF5B-C502-3AB7-492B3F745F6A}"/>
+                <a16:creationId xmlns:a16="http://schemas.microsoft.com/office/drawing/2014/main" id="{ACEA8E5E-4AC9-7FDC-8E3C-F02F76D6AAC4}"/>
               </a:ext>
             </a:extLst>
           </p:cNvPr>
@@ -2373,7 +2373,7 @@
           <a:bodyPr/>
           <a:lstStyle/>
           <a:p>
-            <a:fld id="{D8A635DE-DC7E-4C50-901B-EFA57B600B5A}" type="datetimeFigureOut">
+            <a:fld id="{0FD3925A-4BB4-4F6B-9424-4BB2D9AE68C3}" type="datetimeFigureOut">
               <a:rPr lang="zh-CN" altLang="en-US" smtClean="0"/>
               <a:t>2024/3/10</a:t>
             </a:fld>
@@ -2386,7 +2386,7 @@
           <p:cNvPr id="6" name="页脚占位符 5">
             <a:extLst>
               <a:ext uri="{FF2B5EF4-FFF2-40B4-BE49-F238E27FC236}">
-                <a16:creationId xmlns:a16="http://schemas.microsoft.com/office/drawing/2014/main" id="{19249FD6-5D8D-E20E-EB19-D2609898A4D5}"/>
+                <a16:creationId xmlns:a16="http://schemas.microsoft.com/office/drawing/2014/main" id="{9D2D7519-2C14-C6B3-6DB8-ACFDAA72D257}"/>
               </a:ext>
             </a:extLst>
           </p:cNvPr>
@@ -2411,7 +2411,7 @@
           <p:cNvPr id="7" name="灯片编号占位符 6">
             <a:extLst>
               <a:ext uri="{FF2B5EF4-FFF2-40B4-BE49-F238E27FC236}">
-                <a16:creationId xmlns:a16="http://schemas.microsoft.com/office/drawing/2014/main" id="{B1DAF6C4-A2EB-0327-407D-1F04361290EA}"/>
+                <a16:creationId xmlns:a16="http://schemas.microsoft.com/office/drawing/2014/main" id="{2346D39B-EA8C-19B4-88F6-1537C8A5164F}"/>
               </a:ext>
             </a:extLst>
           </p:cNvPr>
@@ -2427,7 +2427,7 @@
           <a:bodyPr/>
           <a:lstStyle/>
           <a:p>
-            <a:fld id="{EFB690C1-9ACB-49BF-ABCE-F74DAD63E1C9}" type="slidenum">
+            <a:fld id="{AB651F73-1DEC-4C7D-80E3-ABBB41B17627}" type="slidenum">
               <a:rPr lang="zh-CN" altLang="en-US" smtClean="0"/>
               <a:t>‹#›</a:t>
             </a:fld>
@@ -2438,7 +2438,7 @@
     </p:spTree>
     <p:extLst>
       <p:ext uri="{BB962C8B-B14F-4D97-AF65-F5344CB8AC3E}">
-        <p14:creationId xmlns:p14="http://schemas.microsoft.com/office/powerpoint/2010/main" val="4256320258"/>
+        <p14:creationId xmlns:p14="http://schemas.microsoft.com/office/powerpoint/2010/main" val="3053735577"/>
       </p:ext>
     </p:extLst>
   </p:cSld>
@@ -2470,7 +2470,7 @@
           <p:cNvPr id="2" name="标题 1">
             <a:extLst>
               <a:ext uri="{FF2B5EF4-FFF2-40B4-BE49-F238E27FC236}">
-                <a16:creationId xmlns:a16="http://schemas.microsoft.com/office/drawing/2014/main" id="{6FBFD5C0-E825-628E-04AF-D9B0099E7BA9}"/>
+                <a16:creationId xmlns:a16="http://schemas.microsoft.com/office/drawing/2014/main" id="{845B0FF5-69D7-599F-4BEE-1E3B797F81E4}"/>
               </a:ext>
             </a:extLst>
           </p:cNvPr>
@@ -2507,7 +2507,7 @@
           <p:cNvPr id="3" name="图片占位符 2">
             <a:extLst>
               <a:ext uri="{FF2B5EF4-FFF2-40B4-BE49-F238E27FC236}">
-                <a16:creationId xmlns:a16="http://schemas.microsoft.com/office/drawing/2014/main" id="{8D469199-593F-70D6-5CF1-934A1020C1C8}"/>
+                <a16:creationId xmlns:a16="http://schemas.microsoft.com/office/drawing/2014/main" id="{AAEE4B0B-7AA6-63DB-7406-2F8E22C67816}"/>
               </a:ext>
             </a:extLst>
           </p:cNvPr>
@@ -2574,7 +2574,7 @@
           <p:cNvPr id="4" name="文本占位符 3">
             <a:extLst>
               <a:ext uri="{FF2B5EF4-FFF2-40B4-BE49-F238E27FC236}">
-                <a16:creationId xmlns:a16="http://schemas.microsoft.com/office/drawing/2014/main" id="{EEFFCFD1-ACB3-A870-E73E-3D14214D9A01}"/>
+                <a16:creationId xmlns:a16="http://schemas.microsoft.com/office/drawing/2014/main" id="{894B62A6-D906-D3DA-CE7E-878587935EBB}"/>
               </a:ext>
             </a:extLst>
           </p:cNvPr>
@@ -2645,7 +2645,7 @@
           <p:cNvPr id="5" name="日期占位符 4">
             <a:extLst>
               <a:ext uri="{FF2B5EF4-FFF2-40B4-BE49-F238E27FC236}">
-                <a16:creationId xmlns:a16="http://schemas.microsoft.com/office/drawing/2014/main" id="{A0BE7370-D062-05C8-DA56-9879EB3EE0D9}"/>
+                <a16:creationId xmlns:a16="http://schemas.microsoft.com/office/drawing/2014/main" id="{B232C981-3E3E-797C-8698-7A2E5EE699D1}"/>
               </a:ext>
             </a:extLst>
           </p:cNvPr>
@@ -2661,7 +2661,7 @@
           <a:bodyPr/>
           <a:lstStyle/>
           <a:p>
-            <a:fld id="{D8A635DE-DC7E-4C50-901B-EFA57B600B5A}" type="datetimeFigureOut">
+            <a:fld id="{0FD3925A-4BB4-4F6B-9424-4BB2D9AE68C3}" type="datetimeFigureOut">
               <a:rPr lang="zh-CN" altLang="en-US" smtClean="0"/>
               <a:t>2024/3/10</a:t>
             </a:fld>
@@ -2674,7 +2674,7 @@
           <p:cNvPr id="6" name="页脚占位符 5">
             <a:extLst>
               <a:ext uri="{FF2B5EF4-FFF2-40B4-BE49-F238E27FC236}">
-                <a16:creationId xmlns:a16="http://schemas.microsoft.com/office/drawing/2014/main" id="{93434431-72AF-EBF5-D938-4477F3710F93}"/>
+                <a16:creationId xmlns:a16="http://schemas.microsoft.com/office/drawing/2014/main" id="{685D5C3F-E21A-96C9-BC92-A944FBF09FB8}"/>
               </a:ext>
             </a:extLst>
           </p:cNvPr>
@@ -2699,7 +2699,7 @@
           <p:cNvPr id="7" name="灯片编号占位符 6">
             <a:extLst>
               <a:ext uri="{FF2B5EF4-FFF2-40B4-BE49-F238E27FC236}">
-                <a16:creationId xmlns:a16="http://schemas.microsoft.com/office/drawing/2014/main" id="{194EC9AD-C7A9-10C6-9F4B-CAB488CDCCF6}"/>
+                <a16:creationId xmlns:a16="http://schemas.microsoft.com/office/drawing/2014/main" id="{852B8FAF-4AC8-EDFF-6726-D2E83D254905}"/>
               </a:ext>
             </a:extLst>
           </p:cNvPr>
@@ -2715,7 +2715,7 @@
           <a:bodyPr/>
           <a:lstStyle/>
           <a:p>
-            <a:fld id="{EFB690C1-9ACB-49BF-ABCE-F74DAD63E1C9}" type="slidenum">
+            <a:fld id="{AB651F73-1DEC-4C7D-80E3-ABBB41B17627}" type="slidenum">
               <a:rPr lang="zh-CN" altLang="en-US" smtClean="0"/>
               <a:t>‹#›</a:t>
             </a:fld>
@@ -2726,7 +2726,7 @@
     </p:spTree>
     <p:extLst>
       <p:ext uri="{BB962C8B-B14F-4D97-AF65-F5344CB8AC3E}">
-        <p14:creationId xmlns:p14="http://schemas.microsoft.com/office/powerpoint/2010/main" val="700043674"/>
+        <p14:creationId xmlns:p14="http://schemas.microsoft.com/office/powerpoint/2010/main" val="1381220615"/>
       </p:ext>
     </p:extLst>
   </p:cSld>
@@ -2763,7 +2763,7 @@
           <p:cNvPr id="2" name="标题占位符 1">
             <a:extLst>
               <a:ext uri="{FF2B5EF4-FFF2-40B4-BE49-F238E27FC236}">
-                <a16:creationId xmlns:a16="http://schemas.microsoft.com/office/drawing/2014/main" id="{8DD72621-AC03-CE29-D021-4009097E954D}"/>
+                <a16:creationId xmlns:a16="http://schemas.microsoft.com/office/drawing/2014/main" id="{8B9319E1-B8D4-8814-9E8E-5D13F4302AA8}"/>
               </a:ext>
             </a:extLst>
           </p:cNvPr>
@@ -2801,7 +2801,7 @@
           <p:cNvPr id="3" name="文本占位符 2">
             <a:extLst>
               <a:ext uri="{FF2B5EF4-FFF2-40B4-BE49-F238E27FC236}">
-                <a16:creationId xmlns:a16="http://schemas.microsoft.com/office/drawing/2014/main" id="{FE27F2A0-15AD-8921-94D3-5E59DCAC9080}"/>
+                <a16:creationId xmlns:a16="http://schemas.microsoft.com/office/drawing/2014/main" id="{933F5751-B484-1D3B-B436-0366548FE8BB}"/>
               </a:ext>
             </a:extLst>
           </p:cNvPr>
@@ -2868,7 +2868,7 @@
           <p:cNvPr id="4" name="日期占位符 3">
             <a:extLst>
               <a:ext uri="{FF2B5EF4-FFF2-40B4-BE49-F238E27FC236}">
-                <a16:creationId xmlns:a16="http://schemas.microsoft.com/office/drawing/2014/main" id="{7E51ABA7-9831-3190-8F74-073EE1B8E3B7}"/>
+                <a16:creationId xmlns:a16="http://schemas.microsoft.com/office/drawing/2014/main" id="{A9E78F92-21A2-7BB4-0EFD-C0BE9CADB6DA}"/>
               </a:ext>
             </a:extLst>
           </p:cNvPr>
@@ -2902,7 +2902,7 @@
             </a:lvl1pPr>
           </a:lstStyle>
           <a:p>
-            <a:fld id="{D8A635DE-DC7E-4C50-901B-EFA57B600B5A}" type="datetimeFigureOut">
+            <a:fld id="{0FD3925A-4BB4-4F6B-9424-4BB2D9AE68C3}" type="datetimeFigureOut">
               <a:rPr lang="zh-CN" altLang="en-US" smtClean="0"/>
               <a:t>2024/3/10</a:t>
             </a:fld>
@@ -2915,7 +2915,7 @@
           <p:cNvPr id="5" name="页脚占位符 4">
             <a:extLst>
               <a:ext uri="{FF2B5EF4-FFF2-40B4-BE49-F238E27FC236}">
-                <a16:creationId xmlns:a16="http://schemas.microsoft.com/office/drawing/2014/main" id="{E6037956-D62B-5C83-1B4C-A11C1DFCC019}"/>
+                <a16:creationId xmlns:a16="http://schemas.microsoft.com/office/drawing/2014/main" id="{3CCAA048-AC3D-3B5D-80FE-2C0EE3FF6D5B}"/>
               </a:ext>
             </a:extLst>
           </p:cNvPr>
@@ -2958,7 +2958,7 @@
           <p:cNvPr id="6" name="灯片编号占位符 5">
             <a:extLst>
               <a:ext uri="{FF2B5EF4-FFF2-40B4-BE49-F238E27FC236}">
-                <a16:creationId xmlns:a16="http://schemas.microsoft.com/office/drawing/2014/main" id="{FBD59A00-BEEB-AE2F-D58F-4E2517E390F9}"/>
+                <a16:creationId xmlns:a16="http://schemas.microsoft.com/office/drawing/2014/main" id="{8E6BE552-5211-693E-0761-F369464DD1CE}"/>
               </a:ext>
             </a:extLst>
           </p:cNvPr>
@@ -2992,7 +2992,7 @@
             </a:lvl1pPr>
           </a:lstStyle>
           <a:p>
-            <a:fld id="{EFB690C1-9ACB-49BF-ABCE-F74DAD63E1C9}" type="slidenum">
+            <a:fld id="{AB651F73-1DEC-4C7D-80E3-ABBB41B17627}" type="slidenum">
               <a:rPr lang="zh-CN" altLang="en-US" smtClean="0"/>
               <a:t>‹#›</a:t>
             </a:fld>
@@ -3003,7 +3003,7 @@
     </p:spTree>
     <p:extLst>
       <p:ext uri="{BB962C8B-B14F-4D97-AF65-F5344CB8AC3E}">
-        <p14:creationId xmlns:p14="http://schemas.microsoft.com/office/powerpoint/2010/main" val="3355293037"/>
+        <p14:creationId xmlns:p14="http://schemas.microsoft.com/office/powerpoint/2010/main" val="3078871508"/>
       </p:ext>
     </p:extLst>
   </p:cSld>
